--- a/프레젠테이션1.pptx
+++ b/프레젠테이션1.pptx
@@ -108,6 +108,11 @@
       </a:defRPr>
     </a:lvl9pPr>
   </p:defaultTextStyle>
+  <p:extLst>
+    <p:ext uri="{EFAFB233-063F-42B5-8137-9DF3F51BA10A}">
+      <p15:sldGuideLst xmlns:p15="http://schemas.microsoft.com/office/powerpoint/2012/main"/>
+    </p:ext>
+  </p:extLst>
 </p:presentation>
 </file>
 
@@ -258,7 +263,7 @@
           <a:p>
             <a:fld id="{BA3EE40A-FDCA-4559-965B-487621CF8FAC}" type="datetimeFigureOut">
               <a:rPr lang="ko-KR" altLang="en-US" smtClean="0"/>
-              <a:t>2020-02-28</a:t>
+              <a:t>2020-03-02</a:t>
             </a:fld>
             <a:endParaRPr lang="ko-KR" altLang="en-US"/>
           </a:p>
@@ -456,7 +461,7 @@
           <a:p>
             <a:fld id="{BA3EE40A-FDCA-4559-965B-487621CF8FAC}" type="datetimeFigureOut">
               <a:rPr lang="ko-KR" altLang="en-US" smtClean="0"/>
-              <a:t>2020-02-28</a:t>
+              <a:t>2020-03-02</a:t>
             </a:fld>
             <a:endParaRPr lang="ko-KR" altLang="en-US"/>
           </a:p>
@@ -664,7 +669,7 @@
           <a:p>
             <a:fld id="{BA3EE40A-FDCA-4559-965B-487621CF8FAC}" type="datetimeFigureOut">
               <a:rPr lang="ko-KR" altLang="en-US" smtClean="0"/>
-              <a:t>2020-02-28</a:t>
+              <a:t>2020-03-02</a:t>
             </a:fld>
             <a:endParaRPr lang="ko-KR" altLang="en-US"/>
           </a:p>
@@ -862,7 +867,7 @@
           <a:p>
             <a:fld id="{BA3EE40A-FDCA-4559-965B-487621CF8FAC}" type="datetimeFigureOut">
               <a:rPr lang="ko-KR" altLang="en-US" smtClean="0"/>
-              <a:t>2020-02-28</a:t>
+              <a:t>2020-03-02</a:t>
             </a:fld>
             <a:endParaRPr lang="ko-KR" altLang="en-US"/>
           </a:p>
@@ -1137,7 +1142,7 @@
           <a:p>
             <a:fld id="{BA3EE40A-FDCA-4559-965B-487621CF8FAC}" type="datetimeFigureOut">
               <a:rPr lang="ko-KR" altLang="en-US" smtClean="0"/>
-              <a:t>2020-02-28</a:t>
+              <a:t>2020-03-02</a:t>
             </a:fld>
             <a:endParaRPr lang="ko-KR" altLang="en-US"/>
           </a:p>
@@ -1402,7 +1407,7 @@
           <a:p>
             <a:fld id="{BA3EE40A-FDCA-4559-965B-487621CF8FAC}" type="datetimeFigureOut">
               <a:rPr lang="ko-KR" altLang="en-US" smtClean="0"/>
-              <a:t>2020-02-28</a:t>
+              <a:t>2020-03-02</a:t>
             </a:fld>
             <a:endParaRPr lang="ko-KR" altLang="en-US"/>
           </a:p>
@@ -1814,7 +1819,7 @@
           <a:p>
             <a:fld id="{BA3EE40A-FDCA-4559-965B-487621CF8FAC}" type="datetimeFigureOut">
               <a:rPr lang="ko-KR" altLang="en-US" smtClean="0"/>
-              <a:t>2020-02-28</a:t>
+              <a:t>2020-03-02</a:t>
             </a:fld>
             <a:endParaRPr lang="ko-KR" altLang="en-US"/>
           </a:p>
@@ -1955,7 +1960,7 @@
           <a:p>
             <a:fld id="{BA3EE40A-FDCA-4559-965B-487621CF8FAC}" type="datetimeFigureOut">
               <a:rPr lang="ko-KR" altLang="en-US" smtClean="0"/>
-              <a:t>2020-02-28</a:t>
+              <a:t>2020-03-02</a:t>
             </a:fld>
             <a:endParaRPr lang="ko-KR" altLang="en-US"/>
           </a:p>
@@ -2068,7 +2073,7 @@
           <a:p>
             <a:fld id="{BA3EE40A-FDCA-4559-965B-487621CF8FAC}" type="datetimeFigureOut">
               <a:rPr lang="ko-KR" altLang="en-US" smtClean="0"/>
-              <a:t>2020-02-28</a:t>
+              <a:t>2020-03-02</a:t>
             </a:fld>
             <a:endParaRPr lang="ko-KR" altLang="en-US"/>
           </a:p>
@@ -2379,7 +2384,7 @@
           <a:p>
             <a:fld id="{BA3EE40A-FDCA-4559-965B-487621CF8FAC}" type="datetimeFigureOut">
               <a:rPr lang="ko-KR" altLang="en-US" smtClean="0"/>
-              <a:t>2020-02-28</a:t>
+              <a:t>2020-03-02</a:t>
             </a:fld>
             <a:endParaRPr lang="ko-KR" altLang="en-US"/>
           </a:p>
@@ -2667,7 +2672,7 @@
           <a:p>
             <a:fld id="{BA3EE40A-FDCA-4559-965B-487621CF8FAC}" type="datetimeFigureOut">
               <a:rPr lang="ko-KR" altLang="en-US" smtClean="0"/>
-              <a:t>2020-02-28</a:t>
+              <a:t>2020-03-02</a:t>
             </a:fld>
             <a:endParaRPr lang="ko-KR" altLang="en-US"/>
           </a:p>
@@ -2908,7 +2913,7 @@
           <a:p>
             <a:fld id="{BA3EE40A-FDCA-4559-965B-487621CF8FAC}" type="datetimeFigureOut">
               <a:rPr lang="ko-KR" altLang="en-US" smtClean="0"/>
-              <a:t>2020-02-28</a:t>
+              <a:t>2020-03-02</a:t>
             </a:fld>
             <a:endParaRPr lang="ko-KR" altLang="en-US"/>
           </a:p>
@@ -3742,13 +3747,13 @@
   <p:clrMapOvr>
     <a:masterClrMapping/>
   </p:clrMapOvr>
-  <mc:AlternateContent xmlns:mc="http://schemas.openxmlformats.org/markup-compatibility/2006">
-    <mc:Choice xmlns:p14="http://schemas.microsoft.com/office/powerpoint/2010/main" Requires="p14">
+  <mc:AlternateContent xmlns:mc="http://schemas.openxmlformats.org/markup-compatibility/2006" xmlns:p14="http://schemas.microsoft.com/office/powerpoint/2010/main">
+    <mc:Choice Requires="p14">
       <p:transition spd="slow" p14:dur="800">
         <p:circle/>
       </p:transition>
     </mc:Choice>
-    <mc:Fallback>
+    <mc:Fallback xmlns="">
       <p:transition spd="slow">
         <p:circle/>
       </p:transition>
@@ -4058,13 +4063,13 @@
   <p:clrMapOvr>
     <a:masterClrMapping/>
   </p:clrMapOvr>
-  <mc:AlternateContent xmlns:mc="http://schemas.openxmlformats.org/markup-compatibility/2006">
-    <mc:Choice xmlns:p159="http://schemas.microsoft.com/office/powerpoint/2015/09/main" Requires="p159">
+  <mc:AlternateContent xmlns:mc="http://schemas.openxmlformats.org/markup-compatibility/2006" xmlns:p159="http://schemas.microsoft.com/office/powerpoint/2015/09/main">
+    <mc:Choice Requires="p159">
       <p:transition spd="slow">
         <p159:morph option="byObject"/>
       </p:transition>
     </mc:Choice>
-    <mc:Fallback>
+    <mc:Fallback xmlns="">
       <p:transition spd="slow">
         <p:fade/>
       </p:transition>
@@ -4112,8 +4117,8 @@
         </p:nvSpPr>
         <p:spPr>
           <a:xfrm>
-            <a:off x="2579928" y="1083549"/>
-            <a:ext cx="4498340" cy="369332"/>
+            <a:off x="2579928" y="945050"/>
+            <a:ext cx="4498340" cy="646331"/>
           </a:xfrm>
           <a:prstGeom prst="rect">
             <a:avLst/>
@@ -4134,7 +4139,25 @@
                 </a:solidFill>
                 <a:latin typeface="+mn-ea"/>
               </a:rPr>
-              <a:t>얼굴인식이 정상적으로 수행되었습니다</a:t>
+              <a:t>얼굴인식이 </a:t>
+            </a:r>
+            <a:r>
+              <a:rPr lang="ko-KR" altLang="en-US">
+                <a:solidFill>
+                  <a:schemeClr val="bg1"/>
+                </a:solidFill>
+                <a:latin typeface="+mn-ea"/>
+              </a:rPr>
+              <a:t>정상적으ㅈㅂㄷㄱㅂㄱㄷㄱ로</a:t>
+            </a:r>
+            <a:r>
+              <a:rPr lang="ko-KR" altLang="en-US" dirty="0">
+                <a:solidFill>
+                  <a:schemeClr val="bg1"/>
+                </a:solidFill>
+                <a:latin typeface="+mn-ea"/>
+              </a:rPr>
+              <a:t> 수행되었습니다</a:t>
             </a:r>
             <a:r>
               <a:rPr lang="en-US" altLang="ko-KR" dirty="0">
@@ -5082,13 +5105,13 @@
   <p:clrMapOvr>
     <a:masterClrMapping/>
   </p:clrMapOvr>
-  <mc:AlternateContent xmlns:mc="http://schemas.openxmlformats.org/markup-compatibility/2006">
-    <mc:Choice xmlns:p159="http://schemas.microsoft.com/office/powerpoint/2015/09/main" Requires="p159">
+  <mc:AlternateContent xmlns:mc="http://schemas.openxmlformats.org/markup-compatibility/2006" xmlns:p159="http://schemas.microsoft.com/office/powerpoint/2015/09/main">
+    <mc:Choice Requires="p159">
       <p:transition spd="slow">
         <p159:morph option="byObject"/>
       </p:transition>
     </mc:Choice>
-    <mc:Fallback>
+    <mc:Fallback xmlns="">
       <p:transition spd="slow">
         <p:fade/>
       </p:transition>

--- a/프레젠테이션1.pptx
+++ b/프레젠테이션1.pptx
@@ -138,7 +138,7 @@
           <p:cNvPr id="2" name="제목 1">
             <a:extLst>
               <a:ext uri="{FF2B5EF4-FFF2-40B4-BE49-F238E27FC236}">
-                <a16:creationId xmlns:a16="http://schemas.microsoft.com/office/drawing/2014/main" id="{68B2FFB3-FB6B-49B4-939D-5B962D088D9F}"/>
+                <a16:creationId xmlns:a16="http://schemas.microsoft.com/office/drawing/2014/main" xmlns="" id="{68B2FFB3-FB6B-49B4-939D-5B962D088D9F}"/>
               </a:ext>
             </a:extLst>
           </p:cNvPr>
@@ -175,7 +175,7 @@
           <p:cNvPr id="3" name="부제목 2">
             <a:extLst>
               <a:ext uri="{FF2B5EF4-FFF2-40B4-BE49-F238E27FC236}">
-                <a16:creationId xmlns:a16="http://schemas.microsoft.com/office/drawing/2014/main" id="{B571D4C9-3F0B-44FF-8056-8709944971B5}"/>
+                <a16:creationId xmlns:a16="http://schemas.microsoft.com/office/drawing/2014/main" xmlns="" id="{B571D4C9-3F0B-44FF-8056-8709944971B5}"/>
               </a:ext>
             </a:extLst>
           </p:cNvPr>
@@ -245,7 +245,7 @@
           <p:cNvPr id="4" name="날짜 개체 틀 3">
             <a:extLst>
               <a:ext uri="{FF2B5EF4-FFF2-40B4-BE49-F238E27FC236}">
-                <a16:creationId xmlns:a16="http://schemas.microsoft.com/office/drawing/2014/main" id="{52D2D179-DFBE-4960-9DF9-BAC9B27C59FB}"/>
+                <a16:creationId xmlns:a16="http://schemas.microsoft.com/office/drawing/2014/main" xmlns="" id="{52D2D179-DFBE-4960-9DF9-BAC9B27C59FB}"/>
               </a:ext>
             </a:extLst>
           </p:cNvPr>
@@ -274,7 +274,7 @@
           <p:cNvPr id="5" name="바닥글 개체 틀 4">
             <a:extLst>
               <a:ext uri="{FF2B5EF4-FFF2-40B4-BE49-F238E27FC236}">
-                <a16:creationId xmlns:a16="http://schemas.microsoft.com/office/drawing/2014/main" id="{AEC79FBF-A401-452B-8052-53016B6F0ECD}"/>
+                <a16:creationId xmlns:a16="http://schemas.microsoft.com/office/drawing/2014/main" xmlns="" id="{AEC79FBF-A401-452B-8052-53016B6F0ECD}"/>
               </a:ext>
             </a:extLst>
           </p:cNvPr>
@@ -299,7 +299,7 @@
           <p:cNvPr id="6" name="슬라이드 번호 개체 틀 5">
             <a:extLst>
               <a:ext uri="{FF2B5EF4-FFF2-40B4-BE49-F238E27FC236}">
-                <a16:creationId xmlns:a16="http://schemas.microsoft.com/office/drawing/2014/main" id="{C43A9969-3B6F-4AFD-8909-9362C5C26E14}"/>
+                <a16:creationId xmlns:a16="http://schemas.microsoft.com/office/drawing/2014/main" xmlns="" id="{C43A9969-3B6F-4AFD-8909-9362C5C26E14}"/>
               </a:ext>
             </a:extLst>
           </p:cNvPr>
@@ -358,7 +358,7 @@
           <p:cNvPr id="2" name="제목 1">
             <a:extLst>
               <a:ext uri="{FF2B5EF4-FFF2-40B4-BE49-F238E27FC236}">
-                <a16:creationId xmlns:a16="http://schemas.microsoft.com/office/drawing/2014/main" id="{CBE6264B-8DE6-4F71-A813-4DC470A35CDF}"/>
+                <a16:creationId xmlns:a16="http://schemas.microsoft.com/office/drawing/2014/main" xmlns="" id="{CBE6264B-8DE6-4F71-A813-4DC470A35CDF}"/>
               </a:ext>
             </a:extLst>
           </p:cNvPr>
@@ -386,7 +386,7 @@
           <p:cNvPr id="3" name="세로 텍스트 개체 틀 2">
             <a:extLst>
               <a:ext uri="{FF2B5EF4-FFF2-40B4-BE49-F238E27FC236}">
-                <a16:creationId xmlns:a16="http://schemas.microsoft.com/office/drawing/2014/main" id="{843409E6-C8F0-4B19-8755-FF41879E54B2}"/>
+                <a16:creationId xmlns:a16="http://schemas.microsoft.com/office/drawing/2014/main" xmlns="" id="{843409E6-C8F0-4B19-8755-FF41879E54B2}"/>
               </a:ext>
             </a:extLst>
           </p:cNvPr>
@@ -443,7 +443,7 @@
           <p:cNvPr id="4" name="날짜 개체 틀 3">
             <a:extLst>
               <a:ext uri="{FF2B5EF4-FFF2-40B4-BE49-F238E27FC236}">
-                <a16:creationId xmlns:a16="http://schemas.microsoft.com/office/drawing/2014/main" id="{77A8CDC4-3792-4665-A186-ECF4F3AFAB1C}"/>
+                <a16:creationId xmlns:a16="http://schemas.microsoft.com/office/drawing/2014/main" xmlns="" id="{77A8CDC4-3792-4665-A186-ECF4F3AFAB1C}"/>
               </a:ext>
             </a:extLst>
           </p:cNvPr>
@@ -472,7 +472,7 @@
           <p:cNvPr id="5" name="바닥글 개체 틀 4">
             <a:extLst>
               <a:ext uri="{FF2B5EF4-FFF2-40B4-BE49-F238E27FC236}">
-                <a16:creationId xmlns:a16="http://schemas.microsoft.com/office/drawing/2014/main" id="{E9038BAC-1B74-4FA7-9BCC-BCBF4DA77065}"/>
+                <a16:creationId xmlns:a16="http://schemas.microsoft.com/office/drawing/2014/main" xmlns="" id="{E9038BAC-1B74-4FA7-9BCC-BCBF4DA77065}"/>
               </a:ext>
             </a:extLst>
           </p:cNvPr>
@@ -497,7 +497,7 @@
           <p:cNvPr id="6" name="슬라이드 번호 개체 틀 5">
             <a:extLst>
               <a:ext uri="{FF2B5EF4-FFF2-40B4-BE49-F238E27FC236}">
-                <a16:creationId xmlns:a16="http://schemas.microsoft.com/office/drawing/2014/main" id="{9545D0F1-633D-4A1C-8390-457FD6E4639C}"/>
+                <a16:creationId xmlns:a16="http://schemas.microsoft.com/office/drawing/2014/main" xmlns="" id="{9545D0F1-633D-4A1C-8390-457FD6E4639C}"/>
               </a:ext>
             </a:extLst>
           </p:cNvPr>
@@ -556,7 +556,7 @@
           <p:cNvPr id="2" name="세로 제목 1">
             <a:extLst>
               <a:ext uri="{FF2B5EF4-FFF2-40B4-BE49-F238E27FC236}">
-                <a16:creationId xmlns:a16="http://schemas.microsoft.com/office/drawing/2014/main" id="{B6F65D45-979D-4585-B5DF-27E210FB014D}"/>
+                <a16:creationId xmlns:a16="http://schemas.microsoft.com/office/drawing/2014/main" xmlns="" id="{B6F65D45-979D-4585-B5DF-27E210FB014D}"/>
               </a:ext>
             </a:extLst>
           </p:cNvPr>
@@ -589,7 +589,7 @@
           <p:cNvPr id="3" name="세로 텍스트 개체 틀 2">
             <a:extLst>
               <a:ext uri="{FF2B5EF4-FFF2-40B4-BE49-F238E27FC236}">
-                <a16:creationId xmlns:a16="http://schemas.microsoft.com/office/drawing/2014/main" id="{C7DF311A-D6DC-4C56-81E9-8A5721FD1796}"/>
+                <a16:creationId xmlns:a16="http://schemas.microsoft.com/office/drawing/2014/main" xmlns="" id="{C7DF311A-D6DC-4C56-81E9-8A5721FD1796}"/>
               </a:ext>
             </a:extLst>
           </p:cNvPr>
@@ -651,7 +651,7 @@
           <p:cNvPr id="4" name="날짜 개체 틀 3">
             <a:extLst>
               <a:ext uri="{FF2B5EF4-FFF2-40B4-BE49-F238E27FC236}">
-                <a16:creationId xmlns:a16="http://schemas.microsoft.com/office/drawing/2014/main" id="{C6665266-ACBB-4191-B733-4E9A0A8F0859}"/>
+                <a16:creationId xmlns:a16="http://schemas.microsoft.com/office/drawing/2014/main" xmlns="" id="{C6665266-ACBB-4191-B733-4E9A0A8F0859}"/>
               </a:ext>
             </a:extLst>
           </p:cNvPr>
@@ -680,7 +680,7 @@
           <p:cNvPr id="5" name="바닥글 개체 틀 4">
             <a:extLst>
               <a:ext uri="{FF2B5EF4-FFF2-40B4-BE49-F238E27FC236}">
-                <a16:creationId xmlns:a16="http://schemas.microsoft.com/office/drawing/2014/main" id="{9ABBB34F-F86D-409A-878B-F21303B140BF}"/>
+                <a16:creationId xmlns:a16="http://schemas.microsoft.com/office/drawing/2014/main" xmlns="" id="{9ABBB34F-F86D-409A-878B-F21303B140BF}"/>
               </a:ext>
             </a:extLst>
           </p:cNvPr>
@@ -705,7 +705,7 @@
           <p:cNvPr id="6" name="슬라이드 번호 개체 틀 5">
             <a:extLst>
               <a:ext uri="{FF2B5EF4-FFF2-40B4-BE49-F238E27FC236}">
-                <a16:creationId xmlns:a16="http://schemas.microsoft.com/office/drawing/2014/main" id="{7C8CE597-2B85-489E-8FB8-B71A9ADEC018}"/>
+                <a16:creationId xmlns:a16="http://schemas.microsoft.com/office/drawing/2014/main" xmlns="" id="{7C8CE597-2B85-489E-8FB8-B71A9ADEC018}"/>
               </a:ext>
             </a:extLst>
           </p:cNvPr>
@@ -764,7 +764,7 @@
           <p:cNvPr id="2" name="제목 1">
             <a:extLst>
               <a:ext uri="{FF2B5EF4-FFF2-40B4-BE49-F238E27FC236}">
-                <a16:creationId xmlns:a16="http://schemas.microsoft.com/office/drawing/2014/main" id="{1D7CB720-F070-4C63-BD85-855383F712D4}"/>
+                <a16:creationId xmlns:a16="http://schemas.microsoft.com/office/drawing/2014/main" xmlns="" id="{1D7CB720-F070-4C63-BD85-855383F712D4}"/>
               </a:ext>
             </a:extLst>
           </p:cNvPr>
@@ -792,7 +792,7 @@
           <p:cNvPr id="3" name="내용 개체 틀 2">
             <a:extLst>
               <a:ext uri="{FF2B5EF4-FFF2-40B4-BE49-F238E27FC236}">
-                <a16:creationId xmlns:a16="http://schemas.microsoft.com/office/drawing/2014/main" id="{6FDF88B4-BC6F-445F-80AC-B168172E9997}"/>
+                <a16:creationId xmlns:a16="http://schemas.microsoft.com/office/drawing/2014/main" xmlns="" id="{6FDF88B4-BC6F-445F-80AC-B168172E9997}"/>
               </a:ext>
             </a:extLst>
           </p:cNvPr>
@@ -849,7 +849,7 @@
           <p:cNvPr id="4" name="날짜 개체 틀 3">
             <a:extLst>
               <a:ext uri="{FF2B5EF4-FFF2-40B4-BE49-F238E27FC236}">
-                <a16:creationId xmlns:a16="http://schemas.microsoft.com/office/drawing/2014/main" id="{9E2E2F60-14CB-41CA-A46F-2F410F02F8A1}"/>
+                <a16:creationId xmlns:a16="http://schemas.microsoft.com/office/drawing/2014/main" xmlns="" id="{9E2E2F60-14CB-41CA-A46F-2F410F02F8A1}"/>
               </a:ext>
             </a:extLst>
           </p:cNvPr>
@@ -878,7 +878,7 @@
           <p:cNvPr id="5" name="바닥글 개체 틀 4">
             <a:extLst>
               <a:ext uri="{FF2B5EF4-FFF2-40B4-BE49-F238E27FC236}">
-                <a16:creationId xmlns:a16="http://schemas.microsoft.com/office/drawing/2014/main" id="{D6DA1B0E-FF0C-415B-800B-FFAD6770C278}"/>
+                <a16:creationId xmlns:a16="http://schemas.microsoft.com/office/drawing/2014/main" xmlns="" id="{D6DA1B0E-FF0C-415B-800B-FFAD6770C278}"/>
               </a:ext>
             </a:extLst>
           </p:cNvPr>
@@ -903,7 +903,7 @@
           <p:cNvPr id="6" name="슬라이드 번호 개체 틀 5">
             <a:extLst>
               <a:ext uri="{FF2B5EF4-FFF2-40B4-BE49-F238E27FC236}">
-                <a16:creationId xmlns:a16="http://schemas.microsoft.com/office/drawing/2014/main" id="{C52D6A73-9D0E-43B0-A299-78A2CDF59F4A}"/>
+                <a16:creationId xmlns:a16="http://schemas.microsoft.com/office/drawing/2014/main" xmlns="" id="{C52D6A73-9D0E-43B0-A299-78A2CDF59F4A}"/>
               </a:ext>
             </a:extLst>
           </p:cNvPr>
@@ -962,7 +962,7 @@
           <p:cNvPr id="2" name="제목 1">
             <a:extLst>
               <a:ext uri="{FF2B5EF4-FFF2-40B4-BE49-F238E27FC236}">
-                <a16:creationId xmlns:a16="http://schemas.microsoft.com/office/drawing/2014/main" id="{CE72FF1A-76CA-4CA5-B197-5928F9F5CF52}"/>
+                <a16:creationId xmlns:a16="http://schemas.microsoft.com/office/drawing/2014/main" xmlns="" id="{CE72FF1A-76CA-4CA5-B197-5928F9F5CF52}"/>
               </a:ext>
             </a:extLst>
           </p:cNvPr>
@@ -999,7 +999,7 @@
           <p:cNvPr id="3" name="텍스트 개체 틀 2">
             <a:extLst>
               <a:ext uri="{FF2B5EF4-FFF2-40B4-BE49-F238E27FC236}">
-                <a16:creationId xmlns:a16="http://schemas.microsoft.com/office/drawing/2014/main" id="{19B54805-AA9E-4657-A611-6C25FEA2AE1B}"/>
+                <a16:creationId xmlns:a16="http://schemas.microsoft.com/office/drawing/2014/main" xmlns="" id="{19B54805-AA9E-4657-A611-6C25FEA2AE1B}"/>
               </a:ext>
             </a:extLst>
           </p:cNvPr>
@@ -1124,7 +1124,7 @@
           <p:cNvPr id="4" name="날짜 개체 틀 3">
             <a:extLst>
               <a:ext uri="{FF2B5EF4-FFF2-40B4-BE49-F238E27FC236}">
-                <a16:creationId xmlns:a16="http://schemas.microsoft.com/office/drawing/2014/main" id="{23920774-19DA-4DEC-A3A5-7B85A4B9AD0C}"/>
+                <a16:creationId xmlns:a16="http://schemas.microsoft.com/office/drawing/2014/main" xmlns="" id="{23920774-19DA-4DEC-A3A5-7B85A4B9AD0C}"/>
               </a:ext>
             </a:extLst>
           </p:cNvPr>
@@ -1153,7 +1153,7 @@
           <p:cNvPr id="5" name="바닥글 개체 틀 4">
             <a:extLst>
               <a:ext uri="{FF2B5EF4-FFF2-40B4-BE49-F238E27FC236}">
-                <a16:creationId xmlns:a16="http://schemas.microsoft.com/office/drawing/2014/main" id="{7B8313EA-7192-4C8E-BA2A-372D1633F590}"/>
+                <a16:creationId xmlns:a16="http://schemas.microsoft.com/office/drawing/2014/main" xmlns="" id="{7B8313EA-7192-4C8E-BA2A-372D1633F590}"/>
               </a:ext>
             </a:extLst>
           </p:cNvPr>
@@ -1178,7 +1178,7 @@
           <p:cNvPr id="6" name="슬라이드 번호 개체 틀 5">
             <a:extLst>
               <a:ext uri="{FF2B5EF4-FFF2-40B4-BE49-F238E27FC236}">
-                <a16:creationId xmlns:a16="http://schemas.microsoft.com/office/drawing/2014/main" id="{B1244C8D-FBBE-4584-B3A9-5538AD4FE175}"/>
+                <a16:creationId xmlns:a16="http://schemas.microsoft.com/office/drawing/2014/main" xmlns="" id="{B1244C8D-FBBE-4584-B3A9-5538AD4FE175}"/>
               </a:ext>
             </a:extLst>
           </p:cNvPr>
@@ -1237,7 +1237,7 @@
           <p:cNvPr id="2" name="제목 1">
             <a:extLst>
               <a:ext uri="{FF2B5EF4-FFF2-40B4-BE49-F238E27FC236}">
-                <a16:creationId xmlns:a16="http://schemas.microsoft.com/office/drawing/2014/main" id="{BBD1750F-0E51-4590-90CD-D4D881B19E1A}"/>
+                <a16:creationId xmlns:a16="http://schemas.microsoft.com/office/drawing/2014/main" xmlns="" id="{BBD1750F-0E51-4590-90CD-D4D881B19E1A}"/>
               </a:ext>
             </a:extLst>
           </p:cNvPr>
@@ -1265,7 +1265,7 @@
           <p:cNvPr id="3" name="내용 개체 틀 2">
             <a:extLst>
               <a:ext uri="{FF2B5EF4-FFF2-40B4-BE49-F238E27FC236}">
-                <a16:creationId xmlns:a16="http://schemas.microsoft.com/office/drawing/2014/main" id="{DBA76FA2-80AA-462E-BA01-E1898A634C52}"/>
+                <a16:creationId xmlns:a16="http://schemas.microsoft.com/office/drawing/2014/main" xmlns="" id="{DBA76FA2-80AA-462E-BA01-E1898A634C52}"/>
               </a:ext>
             </a:extLst>
           </p:cNvPr>
@@ -1327,7 +1327,7 @@
           <p:cNvPr id="4" name="내용 개체 틀 3">
             <a:extLst>
               <a:ext uri="{FF2B5EF4-FFF2-40B4-BE49-F238E27FC236}">
-                <a16:creationId xmlns:a16="http://schemas.microsoft.com/office/drawing/2014/main" id="{325D1FFE-5140-4130-BA36-9999FEFDDB9D}"/>
+                <a16:creationId xmlns:a16="http://schemas.microsoft.com/office/drawing/2014/main" xmlns="" id="{325D1FFE-5140-4130-BA36-9999FEFDDB9D}"/>
               </a:ext>
             </a:extLst>
           </p:cNvPr>
@@ -1389,7 +1389,7 @@
           <p:cNvPr id="5" name="날짜 개체 틀 4">
             <a:extLst>
               <a:ext uri="{FF2B5EF4-FFF2-40B4-BE49-F238E27FC236}">
-                <a16:creationId xmlns:a16="http://schemas.microsoft.com/office/drawing/2014/main" id="{5C07F81A-41C3-4B10-A4E3-9E7055BCD3BA}"/>
+                <a16:creationId xmlns:a16="http://schemas.microsoft.com/office/drawing/2014/main" xmlns="" id="{5C07F81A-41C3-4B10-A4E3-9E7055BCD3BA}"/>
               </a:ext>
             </a:extLst>
           </p:cNvPr>
@@ -1418,7 +1418,7 @@
           <p:cNvPr id="6" name="바닥글 개체 틀 5">
             <a:extLst>
               <a:ext uri="{FF2B5EF4-FFF2-40B4-BE49-F238E27FC236}">
-                <a16:creationId xmlns:a16="http://schemas.microsoft.com/office/drawing/2014/main" id="{F4F1E7E1-FC87-480D-8DA8-C67490AB9C10}"/>
+                <a16:creationId xmlns:a16="http://schemas.microsoft.com/office/drawing/2014/main" xmlns="" id="{F4F1E7E1-FC87-480D-8DA8-C67490AB9C10}"/>
               </a:ext>
             </a:extLst>
           </p:cNvPr>
@@ -1443,7 +1443,7 @@
           <p:cNvPr id="7" name="슬라이드 번호 개체 틀 6">
             <a:extLst>
               <a:ext uri="{FF2B5EF4-FFF2-40B4-BE49-F238E27FC236}">
-                <a16:creationId xmlns:a16="http://schemas.microsoft.com/office/drawing/2014/main" id="{52871F19-F3C6-48CD-9BE0-4C050F299549}"/>
+                <a16:creationId xmlns:a16="http://schemas.microsoft.com/office/drawing/2014/main" xmlns="" id="{52871F19-F3C6-48CD-9BE0-4C050F299549}"/>
               </a:ext>
             </a:extLst>
           </p:cNvPr>
@@ -1502,7 +1502,7 @@
           <p:cNvPr id="2" name="제목 1">
             <a:extLst>
               <a:ext uri="{FF2B5EF4-FFF2-40B4-BE49-F238E27FC236}">
-                <a16:creationId xmlns:a16="http://schemas.microsoft.com/office/drawing/2014/main" id="{44F9684A-7A71-44F4-AD5F-1CAF224A368E}"/>
+                <a16:creationId xmlns:a16="http://schemas.microsoft.com/office/drawing/2014/main" xmlns="" id="{44F9684A-7A71-44F4-AD5F-1CAF224A368E}"/>
               </a:ext>
             </a:extLst>
           </p:cNvPr>
@@ -1535,7 +1535,7 @@
           <p:cNvPr id="3" name="텍스트 개체 틀 2">
             <a:extLst>
               <a:ext uri="{FF2B5EF4-FFF2-40B4-BE49-F238E27FC236}">
-                <a16:creationId xmlns:a16="http://schemas.microsoft.com/office/drawing/2014/main" id="{116D0D3C-9D5D-44B2-AE8C-222940EAD545}"/>
+                <a16:creationId xmlns:a16="http://schemas.microsoft.com/office/drawing/2014/main" xmlns="" id="{116D0D3C-9D5D-44B2-AE8C-222940EAD545}"/>
               </a:ext>
             </a:extLst>
           </p:cNvPr>
@@ -1606,7 +1606,7 @@
           <p:cNvPr id="4" name="내용 개체 틀 3">
             <a:extLst>
               <a:ext uri="{FF2B5EF4-FFF2-40B4-BE49-F238E27FC236}">
-                <a16:creationId xmlns:a16="http://schemas.microsoft.com/office/drawing/2014/main" id="{A31D8294-AE92-490E-B6B7-AE87563C2225}"/>
+                <a16:creationId xmlns:a16="http://schemas.microsoft.com/office/drawing/2014/main" xmlns="" id="{A31D8294-AE92-490E-B6B7-AE87563C2225}"/>
               </a:ext>
             </a:extLst>
           </p:cNvPr>
@@ -1668,7 +1668,7 @@
           <p:cNvPr id="5" name="텍스트 개체 틀 4">
             <a:extLst>
               <a:ext uri="{FF2B5EF4-FFF2-40B4-BE49-F238E27FC236}">
-                <a16:creationId xmlns:a16="http://schemas.microsoft.com/office/drawing/2014/main" id="{8D59024E-8094-406D-AC42-6142CDD8F67C}"/>
+                <a16:creationId xmlns:a16="http://schemas.microsoft.com/office/drawing/2014/main" xmlns="" id="{8D59024E-8094-406D-AC42-6142CDD8F67C}"/>
               </a:ext>
             </a:extLst>
           </p:cNvPr>
@@ -1739,7 +1739,7 @@
           <p:cNvPr id="6" name="내용 개체 틀 5">
             <a:extLst>
               <a:ext uri="{FF2B5EF4-FFF2-40B4-BE49-F238E27FC236}">
-                <a16:creationId xmlns:a16="http://schemas.microsoft.com/office/drawing/2014/main" id="{B14987E2-A4C0-47DC-95DC-D57F1AD63CBE}"/>
+                <a16:creationId xmlns:a16="http://schemas.microsoft.com/office/drawing/2014/main" xmlns="" id="{B14987E2-A4C0-47DC-95DC-D57F1AD63CBE}"/>
               </a:ext>
             </a:extLst>
           </p:cNvPr>
@@ -1801,7 +1801,7 @@
           <p:cNvPr id="7" name="날짜 개체 틀 6">
             <a:extLst>
               <a:ext uri="{FF2B5EF4-FFF2-40B4-BE49-F238E27FC236}">
-                <a16:creationId xmlns:a16="http://schemas.microsoft.com/office/drawing/2014/main" id="{B544FD70-3436-4E55-AE32-88E6D40EB0B1}"/>
+                <a16:creationId xmlns:a16="http://schemas.microsoft.com/office/drawing/2014/main" xmlns="" id="{B544FD70-3436-4E55-AE32-88E6D40EB0B1}"/>
               </a:ext>
             </a:extLst>
           </p:cNvPr>
@@ -1830,7 +1830,7 @@
           <p:cNvPr id="8" name="바닥글 개체 틀 7">
             <a:extLst>
               <a:ext uri="{FF2B5EF4-FFF2-40B4-BE49-F238E27FC236}">
-                <a16:creationId xmlns:a16="http://schemas.microsoft.com/office/drawing/2014/main" id="{2F926470-3309-475E-A06B-2C4954C57FCE}"/>
+                <a16:creationId xmlns:a16="http://schemas.microsoft.com/office/drawing/2014/main" xmlns="" id="{2F926470-3309-475E-A06B-2C4954C57FCE}"/>
               </a:ext>
             </a:extLst>
           </p:cNvPr>
@@ -1855,7 +1855,7 @@
           <p:cNvPr id="9" name="슬라이드 번호 개체 틀 8">
             <a:extLst>
               <a:ext uri="{FF2B5EF4-FFF2-40B4-BE49-F238E27FC236}">
-                <a16:creationId xmlns:a16="http://schemas.microsoft.com/office/drawing/2014/main" id="{0DE8970A-97C2-4903-9CE7-CEA0C94D3029}"/>
+                <a16:creationId xmlns:a16="http://schemas.microsoft.com/office/drawing/2014/main" xmlns="" id="{0DE8970A-97C2-4903-9CE7-CEA0C94D3029}"/>
               </a:ext>
             </a:extLst>
           </p:cNvPr>
@@ -1914,7 +1914,7 @@
           <p:cNvPr id="2" name="제목 1">
             <a:extLst>
               <a:ext uri="{FF2B5EF4-FFF2-40B4-BE49-F238E27FC236}">
-                <a16:creationId xmlns:a16="http://schemas.microsoft.com/office/drawing/2014/main" id="{07483FFC-701B-4065-8F2D-48D4CDB7DAAD}"/>
+                <a16:creationId xmlns:a16="http://schemas.microsoft.com/office/drawing/2014/main" xmlns="" id="{07483FFC-701B-4065-8F2D-48D4CDB7DAAD}"/>
               </a:ext>
             </a:extLst>
           </p:cNvPr>
@@ -1942,7 +1942,7 @@
           <p:cNvPr id="3" name="날짜 개체 틀 2">
             <a:extLst>
               <a:ext uri="{FF2B5EF4-FFF2-40B4-BE49-F238E27FC236}">
-                <a16:creationId xmlns:a16="http://schemas.microsoft.com/office/drawing/2014/main" id="{E741CFC8-277D-4E56-9702-8D2B6266CCD8}"/>
+                <a16:creationId xmlns:a16="http://schemas.microsoft.com/office/drawing/2014/main" xmlns="" id="{E741CFC8-277D-4E56-9702-8D2B6266CCD8}"/>
               </a:ext>
             </a:extLst>
           </p:cNvPr>
@@ -1971,7 +1971,7 @@
           <p:cNvPr id="4" name="바닥글 개체 틀 3">
             <a:extLst>
               <a:ext uri="{FF2B5EF4-FFF2-40B4-BE49-F238E27FC236}">
-                <a16:creationId xmlns:a16="http://schemas.microsoft.com/office/drawing/2014/main" id="{91F70531-68BC-4AB0-A087-37E1AD7B3B5F}"/>
+                <a16:creationId xmlns:a16="http://schemas.microsoft.com/office/drawing/2014/main" xmlns="" id="{91F70531-68BC-4AB0-A087-37E1AD7B3B5F}"/>
               </a:ext>
             </a:extLst>
           </p:cNvPr>
@@ -1996,7 +1996,7 @@
           <p:cNvPr id="5" name="슬라이드 번호 개체 틀 4">
             <a:extLst>
               <a:ext uri="{FF2B5EF4-FFF2-40B4-BE49-F238E27FC236}">
-                <a16:creationId xmlns:a16="http://schemas.microsoft.com/office/drawing/2014/main" id="{E47626C9-6DAC-41DF-99E3-3799310E2702}"/>
+                <a16:creationId xmlns:a16="http://schemas.microsoft.com/office/drawing/2014/main" xmlns="" id="{E47626C9-6DAC-41DF-99E3-3799310E2702}"/>
               </a:ext>
             </a:extLst>
           </p:cNvPr>
@@ -2055,7 +2055,7 @@
           <p:cNvPr id="2" name="날짜 개체 틀 1">
             <a:extLst>
               <a:ext uri="{FF2B5EF4-FFF2-40B4-BE49-F238E27FC236}">
-                <a16:creationId xmlns:a16="http://schemas.microsoft.com/office/drawing/2014/main" id="{2172C145-866C-40A1-AA94-B8BB74A276A0}"/>
+                <a16:creationId xmlns:a16="http://schemas.microsoft.com/office/drawing/2014/main" xmlns="" id="{2172C145-866C-40A1-AA94-B8BB74A276A0}"/>
               </a:ext>
             </a:extLst>
           </p:cNvPr>
@@ -2084,7 +2084,7 @@
           <p:cNvPr id="3" name="바닥글 개체 틀 2">
             <a:extLst>
               <a:ext uri="{FF2B5EF4-FFF2-40B4-BE49-F238E27FC236}">
-                <a16:creationId xmlns:a16="http://schemas.microsoft.com/office/drawing/2014/main" id="{DB4EBC0A-1A55-434A-9030-DE7DF9E55B41}"/>
+                <a16:creationId xmlns:a16="http://schemas.microsoft.com/office/drawing/2014/main" xmlns="" id="{DB4EBC0A-1A55-434A-9030-DE7DF9E55B41}"/>
               </a:ext>
             </a:extLst>
           </p:cNvPr>
@@ -2109,7 +2109,7 @@
           <p:cNvPr id="4" name="슬라이드 번호 개체 틀 3">
             <a:extLst>
               <a:ext uri="{FF2B5EF4-FFF2-40B4-BE49-F238E27FC236}">
-                <a16:creationId xmlns:a16="http://schemas.microsoft.com/office/drawing/2014/main" id="{FD09785A-4397-466E-860C-2B7CAD765687}"/>
+                <a16:creationId xmlns:a16="http://schemas.microsoft.com/office/drawing/2014/main" xmlns="" id="{FD09785A-4397-466E-860C-2B7CAD765687}"/>
               </a:ext>
             </a:extLst>
           </p:cNvPr>
@@ -2168,7 +2168,7 @@
           <p:cNvPr id="2" name="제목 1">
             <a:extLst>
               <a:ext uri="{FF2B5EF4-FFF2-40B4-BE49-F238E27FC236}">
-                <a16:creationId xmlns:a16="http://schemas.microsoft.com/office/drawing/2014/main" id="{A7B55FBF-5203-4969-B261-723757C6E2CC}"/>
+                <a16:creationId xmlns:a16="http://schemas.microsoft.com/office/drawing/2014/main" xmlns="" id="{A7B55FBF-5203-4969-B261-723757C6E2CC}"/>
               </a:ext>
             </a:extLst>
           </p:cNvPr>
@@ -2205,7 +2205,7 @@
           <p:cNvPr id="3" name="내용 개체 틀 2">
             <a:extLst>
               <a:ext uri="{FF2B5EF4-FFF2-40B4-BE49-F238E27FC236}">
-                <a16:creationId xmlns:a16="http://schemas.microsoft.com/office/drawing/2014/main" id="{E5845773-92EB-415F-9A3B-07B3A7AC7707}"/>
+                <a16:creationId xmlns:a16="http://schemas.microsoft.com/office/drawing/2014/main" xmlns="" id="{E5845773-92EB-415F-9A3B-07B3A7AC7707}"/>
               </a:ext>
             </a:extLst>
           </p:cNvPr>
@@ -2295,7 +2295,7 @@
           <p:cNvPr id="4" name="텍스트 개체 틀 3">
             <a:extLst>
               <a:ext uri="{FF2B5EF4-FFF2-40B4-BE49-F238E27FC236}">
-                <a16:creationId xmlns:a16="http://schemas.microsoft.com/office/drawing/2014/main" id="{16A84B93-B150-4FA2-8E91-C595A433A29B}"/>
+                <a16:creationId xmlns:a16="http://schemas.microsoft.com/office/drawing/2014/main" xmlns="" id="{16A84B93-B150-4FA2-8E91-C595A433A29B}"/>
               </a:ext>
             </a:extLst>
           </p:cNvPr>
@@ -2366,7 +2366,7 @@
           <p:cNvPr id="5" name="날짜 개체 틀 4">
             <a:extLst>
               <a:ext uri="{FF2B5EF4-FFF2-40B4-BE49-F238E27FC236}">
-                <a16:creationId xmlns:a16="http://schemas.microsoft.com/office/drawing/2014/main" id="{F4864062-C0B0-4777-A2FF-4772733CC37B}"/>
+                <a16:creationId xmlns:a16="http://schemas.microsoft.com/office/drawing/2014/main" xmlns="" id="{F4864062-C0B0-4777-A2FF-4772733CC37B}"/>
               </a:ext>
             </a:extLst>
           </p:cNvPr>
@@ -2395,7 +2395,7 @@
           <p:cNvPr id="6" name="바닥글 개체 틀 5">
             <a:extLst>
               <a:ext uri="{FF2B5EF4-FFF2-40B4-BE49-F238E27FC236}">
-                <a16:creationId xmlns:a16="http://schemas.microsoft.com/office/drawing/2014/main" id="{DB5D7A20-CC35-4974-A126-B33B00C05B27}"/>
+                <a16:creationId xmlns:a16="http://schemas.microsoft.com/office/drawing/2014/main" xmlns="" id="{DB5D7A20-CC35-4974-A126-B33B00C05B27}"/>
               </a:ext>
             </a:extLst>
           </p:cNvPr>
@@ -2420,7 +2420,7 @@
           <p:cNvPr id="7" name="슬라이드 번호 개체 틀 6">
             <a:extLst>
               <a:ext uri="{FF2B5EF4-FFF2-40B4-BE49-F238E27FC236}">
-                <a16:creationId xmlns:a16="http://schemas.microsoft.com/office/drawing/2014/main" id="{D5CF954C-C142-41BB-8474-16D32AFCD150}"/>
+                <a16:creationId xmlns:a16="http://schemas.microsoft.com/office/drawing/2014/main" xmlns="" id="{D5CF954C-C142-41BB-8474-16D32AFCD150}"/>
               </a:ext>
             </a:extLst>
           </p:cNvPr>
@@ -2479,7 +2479,7 @@
           <p:cNvPr id="2" name="제목 1">
             <a:extLst>
               <a:ext uri="{FF2B5EF4-FFF2-40B4-BE49-F238E27FC236}">
-                <a16:creationId xmlns:a16="http://schemas.microsoft.com/office/drawing/2014/main" id="{7B56A5DF-A7E6-4ADE-94E5-A9CCE79880B6}"/>
+                <a16:creationId xmlns:a16="http://schemas.microsoft.com/office/drawing/2014/main" xmlns="" id="{7B56A5DF-A7E6-4ADE-94E5-A9CCE79880B6}"/>
               </a:ext>
             </a:extLst>
           </p:cNvPr>
@@ -2516,7 +2516,7 @@
           <p:cNvPr id="3" name="그림 개체 틀 2">
             <a:extLst>
               <a:ext uri="{FF2B5EF4-FFF2-40B4-BE49-F238E27FC236}">
-                <a16:creationId xmlns:a16="http://schemas.microsoft.com/office/drawing/2014/main" id="{6C1E18AB-C3F1-497E-9E61-1431EF12EA90}"/>
+                <a16:creationId xmlns:a16="http://schemas.microsoft.com/office/drawing/2014/main" xmlns="" id="{6C1E18AB-C3F1-497E-9E61-1431EF12EA90}"/>
               </a:ext>
             </a:extLst>
           </p:cNvPr>
@@ -2583,7 +2583,7 @@
           <p:cNvPr id="4" name="텍스트 개체 틀 3">
             <a:extLst>
               <a:ext uri="{FF2B5EF4-FFF2-40B4-BE49-F238E27FC236}">
-                <a16:creationId xmlns:a16="http://schemas.microsoft.com/office/drawing/2014/main" id="{3ABD0465-A66F-4309-A63B-CA3E90B791F9}"/>
+                <a16:creationId xmlns:a16="http://schemas.microsoft.com/office/drawing/2014/main" xmlns="" id="{3ABD0465-A66F-4309-A63B-CA3E90B791F9}"/>
               </a:ext>
             </a:extLst>
           </p:cNvPr>
@@ -2654,7 +2654,7 @@
           <p:cNvPr id="5" name="날짜 개체 틀 4">
             <a:extLst>
               <a:ext uri="{FF2B5EF4-FFF2-40B4-BE49-F238E27FC236}">
-                <a16:creationId xmlns:a16="http://schemas.microsoft.com/office/drawing/2014/main" id="{B9E5420D-4CE3-476E-8FF7-08E742BC8114}"/>
+                <a16:creationId xmlns:a16="http://schemas.microsoft.com/office/drawing/2014/main" xmlns="" id="{B9E5420D-4CE3-476E-8FF7-08E742BC8114}"/>
               </a:ext>
             </a:extLst>
           </p:cNvPr>
@@ -2683,7 +2683,7 @@
           <p:cNvPr id="6" name="바닥글 개체 틀 5">
             <a:extLst>
               <a:ext uri="{FF2B5EF4-FFF2-40B4-BE49-F238E27FC236}">
-                <a16:creationId xmlns:a16="http://schemas.microsoft.com/office/drawing/2014/main" id="{82BE2E38-B796-4A8A-85BE-C30ABAFABB9F}"/>
+                <a16:creationId xmlns:a16="http://schemas.microsoft.com/office/drawing/2014/main" xmlns="" id="{82BE2E38-B796-4A8A-85BE-C30ABAFABB9F}"/>
               </a:ext>
             </a:extLst>
           </p:cNvPr>
@@ -2708,7 +2708,7 @@
           <p:cNvPr id="7" name="슬라이드 번호 개체 틀 6">
             <a:extLst>
               <a:ext uri="{FF2B5EF4-FFF2-40B4-BE49-F238E27FC236}">
-                <a16:creationId xmlns:a16="http://schemas.microsoft.com/office/drawing/2014/main" id="{E3BDE8D7-20C5-4264-8BD5-23ADF96FBFB8}"/>
+                <a16:creationId xmlns:a16="http://schemas.microsoft.com/office/drawing/2014/main" xmlns="" id="{E3BDE8D7-20C5-4264-8BD5-23ADF96FBFB8}"/>
               </a:ext>
             </a:extLst>
           </p:cNvPr>
@@ -2772,7 +2772,7 @@
           <p:cNvPr id="2" name="제목 개체 틀 1">
             <a:extLst>
               <a:ext uri="{FF2B5EF4-FFF2-40B4-BE49-F238E27FC236}">
-                <a16:creationId xmlns:a16="http://schemas.microsoft.com/office/drawing/2014/main" id="{456083DD-A07B-4CE7-8100-14985AA1E144}"/>
+                <a16:creationId xmlns:a16="http://schemas.microsoft.com/office/drawing/2014/main" xmlns="" id="{456083DD-A07B-4CE7-8100-14985AA1E144}"/>
               </a:ext>
             </a:extLst>
           </p:cNvPr>
@@ -2810,7 +2810,7 @@
           <p:cNvPr id="3" name="텍스트 개체 틀 2">
             <a:extLst>
               <a:ext uri="{FF2B5EF4-FFF2-40B4-BE49-F238E27FC236}">
-                <a16:creationId xmlns:a16="http://schemas.microsoft.com/office/drawing/2014/main" id="{AC5CB31E-CF4C-4260-890A-5D8159DA97CF}"/>
+                <a16:creationId xmlns:a16="http://schemas.microsoft.com/office/drawing/2014/main" xmlns="" id="{AC5CB31E-CF4C-4260-890A-5D8159DA97CF}"/>
               </a:ext>
             </a:extLst>
           </p:cNvPr>
@@ -2877,7 +2877,7 @@
           <p:cNvPr id="4" name="날짜 개체 틀 3">
             <a:extLst>
               <a:ext uri="{FF2B5EF4-FFF2-40B4-BE49-F238E27FC236}">
-                <a16:creationId xmlns:a16="http://schemas.microsoft.com/office/drawing/2014/main" id="{17BA35C7-8595-4CEC-B404-F7D90743B35D}"/>
+                <a16:creationId xmlns:a16="http://schemas.microsoft.com/office/drawing/2014/main" xmlns="" id="{17BA35C7-8595-4CEC-B404-F7D90743B35D}"/>
               </a:ext>
             </a:extLst>
           </p:cNvPr>
@@ -2924,7 +2924,7 @@
           <p:cNvPr id="5" name="바닥글 개체 틀 4">
             <a:extLst>
               <a:ext uri="{FF2B5EF4-FFF2-40B4-BE49-F238E27FC236}">
-                <a16:creationId xmlns:a16="http://schemas.microsoft.com/office/drawing/2014/main" id="{CB5D7CDA-ACF7-4156-A836-BB016263CE93}"/>
+                <a16:creationId xmlns:a16="http://schemas.microsoft.com/office/drawing/2014/main" xmlns="" id="{CB5D7CDA-ACF7-4156-A836-BB016263CE93}"/>
               </a:ext>
             </a:extLst>
           </p:cNvPr>
@@ -2967,7 +2967,7 @@
           <p:cNvPr id="6" name="슬라이드 번호 개체 틀 5">
             <a:extLst>
               <a:ext uri="{FF2B5EF4-FFF2-40B4-BE49-F238E27FC236}">
-                <a16:creationId xmlns:a16="http://schemas.microsoft.com/office/drawing/2014/main" id="{FC6C8BBD-F2DE-4EDB-8A90-4F0D3078DEA5}"/>
+                <a16:creationId xmlns:a16="http://schemas.microsoft.com/office/drawing/2014/main" xmlns="" id="{FC6C8BBD-F2DE-4EDB-8A90-4F0D3078DEA5}"/>
               </a:ext>
             </a:extLst>
           </p:cNvPr>
@@ -3345,7 +3345,7 @@
           <p:cNvPr id="6" name="TextBox 5">
             <a:extLst>
               <a:ext uri="{FF2B5EF4-FFF2-40B4-BE49-F238E27FC236}">
-                <a16:creationId xmlns:a16="http://schemas.microsoft.com/office/drawing/2014/main" id="{6C6E7EF3-9E7F-4792-B086-A532FA16CDBA}"/>
+                <a16:creationId xmlns:a16="http://schemas.microsoft.com/office/drawing/2014/main" xmlns="" id="{6C6E7EF3-9E7F-4792-B086-A532FA16CDBA}"/>
               </a:ext>
             </a:extLst>
           </p:cNvPr>
@@ -3354,7 +3354,7 @@
         </p:nvSpPr>
         <p:spPr>
           <a:xfrm>
-            <a:off x="2710180" y="3167390"/>
+            <a:off x="2774574" y="3218905"/>
             <a:ext cx="6771640" cy="523220"/>
           </a:xfrm>
           <a:prstGeom prst="rect">
@@ -3377,10 +3377,30 @@
                 <a:latin typeface="휴먼모음T" panose="02030504000101010101" pitchFamily="18" charset="-127"/>
                 <a:ea typeface="휴먼모음T" panose="02030504000101010101" pitchFamily="18" charset="-127"/>
               </a:rPr>
-              <a:t>화면을 터치 해 주세요</a:t>
-            </a:r>
-            <a:r>
-              <a:rPr lang="en-US" altLang="ko-KR" sz="2800" dirty="0">
+              <a:t>화면을 </a:t>
+            </a:r>
+            <a:r>
+              <a:rPr lang="ko-KR" altLang="en-US" sz="2800">
+                <a:solidFill>
+                  <a:schemeClr val="bg1"/>
+                </a:solidFill>
+                <a:latin typeface="휴먼모음T" panose="02030504000101010101" pitchFamily="18" charset="-127"/>
+                <a:ea typeface="휴먼모음T" panose="02030504000101010101" pitchFamily="18" charset="-127"/>
+              </a:rPr>
+              <a:t>터치 </a:t>
+            </a:r>
+            <a:r>
+              <a:rPr lang="ko-KR" altLang="en-US" sz="2800" smtClean="0">
+                <a:solidFill>
+                  <a:schemeClr val="bg1"/>
+                </a:solidFill>
+                <a:latin typeface="휴먼모음T" panose="02030504000101010101" pitchFamily="18" charset="-127"/>
+                <a:ea typeface="휴먼모음T" panose="02030504000101010101" pitchFamily="18" charset="-127"/>
+              </a:rPr>
+              <a:t>해</a:t>
+            </a:r>
+            <a:r>
+              <a:rPr lang="en-US" altLang="ko-KR" sz="2800" smtClean="0">
                 <a:solidFill>
                   <a:schemeClr val="bg1"/>
                 </a:solidFill>
@@ -3442,7 +3462,7 @@
           <p:cNvPr id="6" name="TextBox 5">
             <a:extLst>
               <a:ext uri="{FF2B5EF4-FFF2-40B4-BE49-F238E27FC236}">
-                <a16:creationId xmlns:a16="http://schemas.microsoft.com/office/drawing/2014/main" id="{6C6E7EF3-9E7F-4792-B086-A532FA16CDBA}"/>
+                <a16:creationId xmlns:a16="http://schemas.microsoft.com/office/drawing/2014/main" xmlns="" id="{6C6E7EF3-9E7F-4792-B086-A532FA16CDBA}"/>
               </a:ext>
             </a:extLst>
           </p:cNvPr>
@@ -3609,7 +3629,7 @@
           <p:cNvPr id="9" name="그림 8">
             <a:extLst>
               <a:ext uri="{FF2B5EF4-FFF2-40B4-BE49-F238E27FC236}">
-                <a16:creationId xmlns:a16="http://schemas.microsoft.com/office/drawing/2014/main" id="{07956995-6890-4976-821B-4CAE7B83C2ED}"/>
+                <a16:creationId xmlns:a16="http://schemas.microsoft.com/office/drawing/2014/main" xmlns="" id="{07956995-6890-4976-821B-4CAE7B83C2ED}"/>
               </a:ext>
             </a:extLst>
           </p:cNvPr>
@@ -3639,7 +3659,7 @@
             <a:hlinkClick r:id="rId3" action="ppaction://hlinksldjump"/>
             <a:extLst>
               <a:ext uri="{FF2B5EF4-FFF2-40B4-BE49-F238E27FC236}">
-                <a16:creationId xmlns:a16="http://schemas.microsoft.com/office/drawing/2014/main" id="{38AA0290-C4A7-450F-8591-EAFA0DA7B49B}"/>
+                <a16:creationId xmlns:a16="http://schemas.microsoft.com/office/drawing/2014/main" xmlns="" id="{38AA0290-C4A7-450F-8591-EAFA0DA7B49B}"/>
               </a:ext>
             </a:extLst>
           </p:cNvPr>
@@ -3670,7 +3690,7 @@
           <p:cNvPr id="11" name="그림 10">
             <a:extLst>
               <a:ext uri="{FF2B5EF4-FFF2-40B4-BE49-F238E27FC236}">
-                <a16:creationId xmlns:a16="http://schemas.microsoft.com/office/drawing/2014/main" id="{F9E4EE14-2999-49E2-AB1D-D06128DBCB8E}"/>
+                <a16:creationId xmlns:a16="http://schemas.microsoft.com/office/drawing/2014/main" xmlns="" id="{F9E4EE14-2999-49E2-AB1D-D06128DBCB8E}"/>
               </a:ext>
             </a:extLst>
           </p:cNvPr>
@@ -3701,7 +3721,7 @@
           <p:cNvPr id="13" name="직선 연결선 12">
             <a:extLst>
               <a:ext uri="{FF2B5EF4-FFF2-40B4-BE49-F238E27FC236}">
-                <a16:creationId xmlns:a16="http://schemas.microsoft.com/office/drawing/2014/main" id="{BDB33E7B-B02C-40E3-A2F9-82EDD1F502E6}"/>
+                <a16:creationId xmlns:a16="http://schemas.microsoft.com/office/drawing/2014/main" xmlns="" id="{BDB33E7B-B02C-40E3-A2F9-82EDD1F502E6}"/>
               </a:ext>
             </a:extLst>
           </p:cNvPr>
@@ -3873,7 +3893,7 @@
           <p:cNvPr id="6" name="TextBox 5">
             <a:extLst>
               <a:ext uri="{FF2B5EF4-FFF2-40B4-BE49-F238E27FC236}">
-                <a16:creationId xmlns:a16="http://schemas.microsoft.com/office/drawing/2014/main" id="{6C6E7EF3-9E7F-4792-B086-A532FA16CDBA}"/>
+                <a16:creationId xmlns:a16="http://schemas.microsoft.com/office/drawing/2014/main" xmlns="" id="{6C6E7EF3-9E7F-4792-B086-A532FA16CDBA}"/>
               </a:ext>
             </a:extLst>
           </p:cNvPr>
@@ -3929,7 +3949,7 @@
           <p:cNvPr id="9" name="그림 8">
             <a:extLst>
               <a:ext uri="{FF2B5EF4-FFF2-40B4-BE49-F238E27FC236}">
-                <a16:creationId xmlns:a16="http://schemas.microsoft.com/office/drawing/2014/main" id="{07956995-6890-4976-821B-4CAE7B83C2ED}"/>
+                <a16:creationId xmlns:a16="http://schemas.microsoft.com/office/drawing/2014/main" xmlns="" id="{07956995-6890-4976-821B-4CAE7B83C2ED}"/>
               </a:ext>
             </a:extLst>
           </p:cNvPr>
@@ -3959,7 +3979,7 @@
             <a:hlinkClick r:id="rId3" action="ppaction://hlinksldjump"/>
             <a:extLst>
               <a:ext uri="{FF2B5EF4-FFF2-40B4-BE49-F238E27FC236}">
-                <a16:creationId xmlns:a16="http://schemas.microsoft.com/office/drawing/2014/main" id="{38AA0290-C4A7-450F-8591-EAFA0DA7B49B}"/>
+                <a16:creationId xmlns:a16="http://schemas.microsoft.com/office/drawing/2014/main" xmlns="" id="{38AA0290-C4A7-450F-8591-EAFA0DA7B49B}"/>
               </a:ext>
             </a:extLst>
           </p:cNvPr>
@@ -3988,7 +4008,7 @@
           <p:cNvPr id="11" name="그림 10">
             <a:extLst>
               <a:ext uri="{FF2B5EF4-FFF2-40B4-BE49-F238E27FC236}">
-                <a16:creationId xmlns:a16="http://schemas.microsoft.com/office/drawing/2014/main" id="{F9E4EE14-2999-49E2-AB1D-D06128DBCB8E}"/>
+                <a16:creationId xmlns:a16="http://schemas.microsoft.com/office/drawing/2014/main" xmlns="" id="{F9E4EE14-2999-49E2-AB1D-D06128DBCB8E}"/>
               </a:ext>
             </a:extLst>
           </p:cNvPr>
@@ -4017,7 +4037,7 @@
           <p:cNvPr id="13" name="직선 연결선 12">
             <a:extLst>
               <a:ext uri="{FF2B5EF4-FFF2-40B4-BE49-F238E27FC236}">
-                <a16:creationId xmlns:a16="http://schemas.microsoft.com/office/drawing/2014/main" id="{BDB33E7B-B02C-40E3-A2F9-82EDD1F502E6}"/>
+                <a16:creationId xmlns:a16="http://schemas.microsoft.com/office/drawing/2014/main" xmlns="" id="{BDB33E7B-B02C-40E3-A2F9-82EDD1F502E6}"/>
               </a:ext>
             </a:extLst>
           </p:cNvPr>
@@ -4063,13 +4083,13 @@
   <p:clrMapOvr>
     <a:masterClrMapping/>
   </p:clrMapOvr>
-  <mc:AlternateContent xmlns:mc="http://schemas.openxmlformats.org/markup-compatibility/2006" xmlns:p159="http://schemas.microsoft.com/office/powerpoint/2015/09/main">
-    <mc:Choice Requires="p159">
+  <mc:AlternateContent xmlns:mc="http://schemas.openxmlformats.org/markup-compatibility/2006">
+    <mc:Choice xmlns:p159="http://schemas.microsoft.com/office/powerpoint/2015/09/main" xmlns="" Requires="p159">
       <p:transition spd="slow">
         <p159:morph option="byObject"/>
       </p:transition>
     </mc:Choice>
-    <mc:Fallback xmlns="">
+    <mc:Fallback>
       <p:transition spd="slow">
         <p:fade/>
       </p:transition>
@@ -4108,7 +4128,7 @@
           <p:cNvPr id="6" name="TextBox 5">
             <a:extLst>
               <a:ext uri="{FF2B5EF4-FFF2-40B4-BE49-F238E27FC236}">
-                <a16:creationId xmlns:a16="http://schemas.microsoft.com/office/drawing/2014/main" id="{6C6E7EF3-9E7F-4792-B086-A532FA16CDBA}"/>
+                <a16:creationId xmlns:a16="http://schemas.microsoft.com/office/drawing/2014/main" xmlns="" id="{6C6E7EF3-9E7F-4792-B086-A532FA16CDBA}"/>
               </a:ext>
             </a:extLst>
           </p:cNvPr>
@@ -4182,7 +4202,7 @@
           <p:cNvPr id="9" name="그림 8">
             <a:extLst>
               <a:ext uri="{FF2B5EF4-FFF2-40B4-BE49-F238E27FC236}">
-                <a16:creationId xmlns:a16="http://schemas.microsoft.com/office/drawing/2014/main" id="{07956995-6890-4976-821B-4CAE7B83C2ED}"/>
+                <a16:creationId xmlns:a16="http://schemas.microsoft.com/office/drawing/2014/main" xmlns="" id="{07956995-6890-4976-821B-4CAE7B83C2ED}"/>
               </a:ext>
             </a:extLst>
           </p:cNvPr>
@@ -4211,7 +4231,7 @@
           <p:cNvPr id="13" name="직선 연결선 12">
             <a:extLst>
               <a:ext uri="{FF2B5EF4-FFF2-40B4-BE49-F238E27FC236}">
-                <a16:creationId xmlns:a16="http://schemas.microsoft.com/office/drawing/2014/main" id="{BDB33E7B-B02C-40E3-A2F9-82EDD1F502E6}"/>
+                <a16:creationId xmlns:a16="http://schemas.microsoft.com/office/drawing/2014/main" xmlns="" id="{BDB33E7B-B02C-40E3-A2F9-82EDD1F502E6}"/>
               </a:ext>
             </a:extLst>
           </p:cNvPr>
@@ -4252,7 +4272,7 @@
           <p:cNvPr id="2" name="사각형: 둥근 모서리 1">
             <a:extLst>
               <a:ext uri="{FF2B5EF4-FFF2-40B4-BE49-F238E27FC236}">
-                <a16:creationId xmlns:a16="http://schemas.microsoft.com/office/drawing/2014/main" id="{2E5E3A16-9163-49F5-A631-E7B7928BD710}"/>
+                <a16:creationId xmlns:a16="http://schemas.microsoft.com/office/drawing/2014/main" xmlns="" id="{2E5E3A16-9163-49F5-A631-E7B7928BD710}"/>
               </a:ext>
             </a:extLst>
           </p:cNvPr>
@@ -4328,7 +4348,7 @@
           <p:cNvPr id="3" name="사각형: 둥근 모서리 2">
             <a:extLst>
               <a:ext uri="{FF2B5EF4-FFF2-40B4-BE49-F238E27FC236}">
-                <a16:creationId xmlns:a16="http://schemas.microsoft.com/office/drawing/2014/main" id="{3875F492-5A6E-4BC9-B8C6-E46EE623D066}"/>
+                <a16:creationId xmlns:a16="http://schemas.microsoft.com/office/drawing/2014/main" xmlns="" id="{3875F492-5A6E-4BC9-B8C6-E46EE623D066}"/>
               </a:ext>
             </a:extLst>
           </p:cNvPr>
@@ -4382,7 +4402,7 @@
           <p:cNvPr id="12" name="사각형: 둥근 모서리 11">
             <a:extLst>
               <a:ext uri="{FF2B5EF4-FFF2-40B4-BE49-F238E27FC236}">
-                <a16:creationId xmlns:a16="http://schemas.microsoft.com/office/drawing/2014/main" id="{2BAE9793-517B-4AEE-AA21-527B04B8E8F4}"/>
+                <a16:creationId xmlns:a16="http://schemas.microsoft.com/office/drawing/2014/main" xmlns="" id="{2BAE9793-517B-4AEE-AA21-527B04B8E8F4}"/>
               </a:ext>
             </a:extLst>
           </p:cNvPr>
@@ -4436,7 +4456,7 @@
           <p:cNvPr id="14" name="사각형: 둥근 모서리 13">
             <a:extLst>
               <a:ext uri="{FF2B5EF4-FFF2-40B4-BE49-F238E27FC236}">
-                <a16:creationId xmlns:a16="http://schemas.microsoft.com/office/drawing/2014/main" id="{2B30A2F0-28F8-4191-9C91-A5D95FE2A01F}"/>
+                <a16:creationId xmlns:a16="http://schemas.microsoft.com/office/drawing/2014/main" xmlns="" id="{2B30A2F0-28F8-4191-9C91-A5D95FE2A01F}"/>
               </a:ext>
             </a:extLst>
           </p:cNvPr>
@@ -4490,7 +4510,7 @@
           <p:cNvPr id="15" name="사각형: 둥근 모서리 14">
             <a:extLst>
               <a:ext uri="{FF2B5EF4-FFF2-40B4-BE49-F238E27FC236}">
-                <a16:creationId xmlns:a16="http://schemas.microsoft.com/office/drawing/2014/main" id="{5727E5A6-FF69-4183-96C0-E1D2B249CC51}"/>
+                <a16:creationId xmlns:a16="http://schemas.microsoft.com/office/drawing/2014/main" xmlns="" id="{5727E5A6-FF69-4183-96C0-E1D2B249CC51}"/>
               </a:ext>
             </a:extLst>
           </p:cNvPr>
@@ -4544,7 +4564,7 @@
           <p:cNvPr id="16" name="사각형: 둥근 모서리 15">
             <a:extLst>
               <a:ext uri="{FF2B5EF4-FFF2-40B4-BE49-F238E27FC236}">
-                <a16:creationId xmlns:a16="http://schemas.microsoft.com/office/drawing/2014/main" id="{F332FD14-14FB-44A2-884A-A85CE32CCFA1}"/>
+                <a16:creationId xmlns:a16="http://schemas.microsoft.com/office/drawing/2014/main" xmlns="" id="{F332FD14-14FB-44A2-884A-A85CE32CCFA1}"/>
               </a:ext>
             </a:extLst>
           </p:cNvPr>
@@ -4598,7 +4618,7 @@
           <p:cNvPr id="17" name="사각형: 둥근 모서리 16">
             <a:extLst>
               <a:ext uri="{FF2B5EF4-FFF2-40B4-BE49-F238E27FC236}">
-                <a16:creationId xmlns:a16="http://schemas.microsoft.com/office/drawing/2014/main" id="{C6A1B3BA-35FA-4D51-B8E4-4726CE225493}"/>
+                <a16:creationId xmlns:a16="http://schemas.microsoft.com/office/drawing/2014/main" xmlns="" id="{C6A1B3BA-35FA-4D51-B8E4-4726CE225493}"/>
               </a:ext>
             </a:extLst>
           </p:cNvPr>
@@ -4652,7 +4672,7 @@
           <p:cNvPr id="18" name="사각형: 둥근 모서리 17">
             <a:extLst>
               <a:ext uri="{FF2B5EF4-FFF2-40B4-BE49-F238E27FC236}">
-                <a16:creationId xmlns:a16="http://schemas.microsoft.com/office/drawing/2014/main" id="{252547CA-790C-433E-AF40-D85394EA491A}"/>
+                <a16:creationId xmlns:a16="http://schemas.microsoft.com/office/drawing/2014/main" xmlns="" id="{252547CA-790C-433E-AF40-D85394EA491A}"/>
               </a:ext>
             </a:extLst>
           </p:cNvPr>
@@ -4706,7 +4726,7 @@
           <p:cNvPr id="19" name="사각형: 둥근 모서리 18">
             <a:extLst>
               <a:ext uri="{FF2B5EF4-FFF2-40B4-BE49-F238E27FC236}">
-                <a16:creationId xmlns:a16="http://schemas.microsoft.com/office/drawing/2014/main" id="{9BE306B5-56C0-4322-9C97-4013CCEE106E}"/>
+                <a16:creationId xmlns:a16="http://schemas.microsoft.com/office/drawing/2014/main" xmlns="" id="{9BE306B5-56C0-4322-9C97-4013CCEE106E}"/>
               </a:ext>
             </a:extLst>
           </p:cNvPr>
@@ -4760,7 +4780,7 @@
           <p:cNvPr id="20" name="사각형: 둥근 모서리 19">
             <a:extLst>
               <a:ext uri="{FF2B5EF4-FFF2-40B4-BE49-F238E27FC236}">
-                <a16:creationId xmlns:a16="http://schemas.microsoft.com/office/drawing/2014/main" id="{F0F155AA-8196-44F9-BFCF-F84ACB0E9412}"/>
+                <a16:creationId xmlns:a16="http://schemas.microsoft.com/office/drawing/2014/main" xmlns="" id="{F0F155AA-8196-44F9-BFCF-F84ACB0E9412}"/>
               </a:ext>
             </a:extLst>
           </p:cNvPr>
@@ -4814,7 +4834,7 @@
           <p:cNvPr id="21" name="사각형: 둥근 모서리 20">
             <a:extLst>
               <a:ext uri="{FF2B5EF4-FFF2-40B4-BE49-F238E27FC236}">
-                <a16:creationId xmlns:a16="http://schemas.microsoft.com/office/drawing/2014/main" id="{7A9DEEAE-7AD1-425E-AC5D-3592889FDAB8}"/>
+                <a16:creationId xmlns:a16="http://schemas.microsoft.com/office/drawing/2014/main" xmlns="" id="{7A9DEEAE-7AD1-425E-AC5D-3592889FDAB8}"/>
               </a:ext>
             </a:extLst>
           </p:cNvPr>
@@ -4868,7 +4888,7 @@
           <p:cNvPr id="22" name="사각형: 둥근 모서리 21">
             <a:extLst>
               <a:ext uri="{FF2B5EF4-FFF2-40B4-BE49-F238E27FC236}">
-                <a16:creationId xmlns:a16="http://schemas.microsoft.com/office/drawing/2014/main" id="{0EAF0A89-E09E-4077-BB48-7E2E1D2B6BEF}"/>
+                <a16:creationId xmlns:a16="http://schemas.microsoft.com/office/drawing/2014/main" xmlns="" id="{0EAF0A89-E09E-4077-BB48-7E2E1D2B6BEF}"/>
               </a:ext>
             </a:extLst>
           </p:cNvPr>
@@ -4922,7 +4942,7 @@
           <p:cNvPr id="23" name="사각형: 둥근 모서리 22">
             <a:extLst>
               <a:ext uri="{FF2B5EF4-FFF2-40B4-BE49-F238E27FC236}">
-                <a16:creationId xmlns:a16="http://schemas.microsoft.com/office/drawing/2014/main" id="{2BF6F100-1E4C-442B-A75D-DA535E170A9A}"/>
+                <a16:creationId xmlns:a16="http://schemas.microsoft.com/office/drawing/2014/main" xmlns="" id="{2BF6F100-1E4C-442B-A75D-DA535E170A9A}"/>
               </a:ext>
             </a:extLst>
           </p:cNvPr>
@@ -4976,7 +4996,7 @@
           <p:cNvPr id="8" name="그룹 7">
             <a:extLst>
               <a:ext uri="{FF2B5EF4-FFF2-40B4-BE49-F238E27FC236}">
-                <a16:creationId xmlns:a16="http://schemas.microsoft.com/office/drawing/2014/main" id="{8B25A8E4-4B6A-4BA2-BBD5-C5836AEA9136}"/>
+                <a16:creationId xmlns:a16="http://schemas.microsoft.com/office/drawing/2014/main" xmlns="" id="{8B25A8E4-4B6A-4BA2-BBD5-C5836AEA9136}"/>
               </a:ext>
             </a:extLst>
           </p:cNvPr>
@@ -4997,7 +5017,7 @@
               <a:hlinkClick r:id="rId3" action="ppaction://hlinksldjump"/>
               <a:extLst>
                 <a:ext uri="{FF2B5EF4-FFF2-40B4-BE49-F238E27FC236}">
-                  <a16:creationId xmlns:a16="http://schemas.microsoft.com/office/drawing/2014/main" id="{4DD9449F-5AD9-4E50-8F55-3E6AD5C90876}"/>
+                  <a16:creationId xmlns:a16="http://schemas.microsoft.com/office/drawing/2014/main" xmlns="" id="{4DD9449F-5AD9-4E50-8F55-3E6AD5C90876}"/>
                 </a:ext>
               </a:extLst>
             </p:cNvPr>
@@ -5049,7 +5069,7 @@
             <p:cNvPr id="7" name="화살표: 굽음 6">
               <a:extLst>
                 <a:ext uri="{FF2B5EF4-FFF2-40B4-BE49-F238E27FC236}">
-                  <a16:creationId xmlns:a16="http://schemas.microsoft.com/office/drawing/2014/main" id="{4705E15D-4A26-4DF8-BDF4-6E5D071942AD}"/>
+                  <a16:creationId xmlns:a16="http://schemas.microsoft.com/office/drawing/2014/main" xmlns="" id="{4705E15D-4A26-4DF8-BDF4-6E5D071942AD}"/>
                 </a:ext>
               </a:extLst>
             </p:cNvPr>
@@ -5105,13 +5125,13 @@
   <p:clrMapOvr>
     <a:masterClrMapping/>
   </p:clrMapOvr>
-  <mc:AlternateContent xmlns:mc="http://schemas.openxmlformats.org/markup-compatibility/2006" xmlns:p159="http://schemas.microsoft.com/office/powerpoint/2015/09/main">
-    <mc:Choice Requires="p159">
+  <mc:AlternateContent xmlns:mc="http://schemas.openxmlformats.org/markup-compatibility/2006">
+    <mc:Choice xmlns:p159="http://schemas.microsoft.com/office/powerpoint/2015/09/main" xmlns="" Requires="p159">
       <p:transition spd="slow">
         <p159:morph option="byObject"/>
       </p:transition>
     </mc:Choice>
-    <mc:Fallback xmlns="">
+    <mc:Fallback>
       <p:transition spd="slow">
         <p:fade/>
       </p:transition>
